--- a/batch 2/ppt2/MEDICAL SHOP.pptx
+++ b/batch 2/ppt2/MEDICAL SHOP.pptx
@@ -121,7 +121,7 @@
   </p:defaultTextStyle>
   <p:extLst>
     <p:ext uri="{EFAFB233-063F-42B5-8137-9DF3F51BA10A}">
-      <p15:sldGuideLst xmlns="" xmlns:p15="http://schemas.microsoft.com/office/powerpoint/2012/main"/>
+      <p15:sldGuideLst xmlns:p15="http://schemas.microsoft.com/office/powerpoint/2012/main" xmlns=""/>
     </p:ext>
   </p:extLst>
 </p:presentation>
@@ -301,7 +301,7 @@
             <a:fld id="{1C6E12D2-DA3A-480B-BCDF-BFB6C7EBE402}" type="datetimeFigureOut">
               <a:rPr lang="en-US" smtClean="0"/>
               <a:pPr/>
-              <a:t>3/18/2023</a:t>
+              <a:t>4/1/2023</a:t>
             </a:fld>
             <a:endParaRPr lang="en-US"/>
           </a:p>
@@ -468,7 +468,7 @@
             <a:fld id="{1C6E12D2-DA3A-480B-BCDF-BFB6C7EBE402}" type="datetimeFigureOut">
               <a:rPr lang="en-US" smtClean="0"/>
               <a:pPr/>
-              <a:t>3/18/2023</a:t>
+              <a:t>4/1/2023</a:t>
             </a:fld>
             <a:endParaRPr lang="en-US"/>
           </a:p>
@@ -645,7 +645,7 @@
             <a:fld id="{1C6E12D2-DA3A-480B-BCDF-BFB6C7EBE402}" type="datetimeFigureOut">
               <a:rPr lang="en-US" smtClean="0"/>
               <a:pPr/>
-              <a:t>3/18/2023</a:t>
+              <a:t>4/1/2023</a:t>
             </a:fld>
             <a:endParaRPr lang="en-US"/>
           </a:p>
@@ -812,7 +812,7 @@
             <a:fld id="{1C6E12D2-DA3A-480B-BCDF-BFB6C7EBE402}" type="datetimeFigureOut">
               <a:rPr lang="en-US" smtClean="0"/>
               <a:pPr/>
-              <a:t>3/18/2023</a:t>
+              <a:t>4/1/2023</a:t>
             </a:fld>
             <a:endParaRPr lang="en-US"/>
           </a:p>
@@ -1056,7 +1056,7 @@
             <a:fld id="{1C6E12D2-DA3A-480B-BCDF-BFB6C7EBE402}" type="datetimeFigureOut">
               <a:rPr lang="en-US" smtClean="0"/>
               <a:pPr/>
-              <a:t>3/18/2023</a:t>
+              <a:t>4/1/2023</a:t>
             </a:fld>
             <a:endParaRPr lang="en-US"/>
           </a:p>
@@ -1322,7 +1322,7 @@
             <a:fld id="{1C6E12D2-DA3A-480B-BCDF-BFB6C7EBE402}" type="datetimeFigureOut">
               <a:rPr lang="en-US" smtClean="0"/>
               <a:pPr/>
-              <a:t>3/18/2023</a:t>
+              <a:t>4/1/2023</a:t>
             </a:fld>
             <a:endParaRPr lang="en-US"/>
           </a:p>
@@ -1702,7 +1702,7 @@
             <a:fld id="{1C6E12D2-DA3A-480B-BCDF-BFB6C7EBE402}" type="datetimeFigureOut">
               <a:rPr lang="en-US" smtClean="0"/>
               <a:pPr/>
-              <a:t>3/18/2023</a:t>
+              <a:t>4/1/2023</a:t>
             </a:fld>
             <a:endParaRPr lang="en-US"/>
           </a:p>
@@ -1854,7 +1854,7 @@
             <a:fld id="{1C6E12D2-DA3A-480B-BCDF-BFB6C7EBE402}" type="datetimeFigureOut">
               <a:rPr lang="en-US" smtClean="0"/>
               <a:pPr/>
-              <a:t>3/18/2023</a:t>
+              <a:t>4/1/2023</a:t>
             </a:fld>
             <a:endParaRPr lang="en-US"/>
           </a:p>
@@ -1946,7 +1946,7 @@
             <a:fld id="{1C6E12D2-DA3A-480B-BCDF-BFB6C7EBE402}" type="datetimeFigureOut">
               <a:rPr lang="en-US" smtClean="0"/>
               <a:pPr/>
-              <a:t>3/18/2023</a:t>
+              <a:t>4/1/2023</a:t>
             </a:fld>
             <a:endParaRPr lang="en-US"/>
           </a:p>
@@ -2209,7 +2209,7 @@
             <a:fld id="{1C6E12D2-DA3A-480B-BCDF-BFB6C7EBE402}" type="datetimeFigureOut">
               <a:rPr lang="en-US" smtClean="0"/>
               <a:pPr/>
-              <a:t>3/18/2023</a:t>
+              <a:t>4/1/2023</a:t>
             </a:fld>
             <a:endParaRPr lang="en-US"/>
           </a:p>
@@ -2499,7 +2499,7 @@
             <a:fld id="{1C6E12D2-DA3A-480B-BCDF-BFB6C7EBE402}" type="datetimeFigureOut">
               <a:rPr lang="en-US" smtClean="0"/>
               <a:pPr/>
-              <a:t>3/18/2023</a:t>
+              <a:t>4/1/2023</a:t>
             </a:fld>
             <a:endParaRPr lang="en-US"/>
           </a:p>
@@ -3272,7 +3272,7 @@
             <a:fld id="{1C6E12D2-DA3A-480B-BCDF-BFB6C7EBE402}" type="datetimeFigureOut">
               <a:rPr lang="en-US" smtClean="0"/>
               <a:pPr/>
-              <a:t>3/18/2023</a:t>
+              <a:t>4/1/2023</a:t>
             </a:fld>
             <a:endParaRPr lang="en-US"/>
           </a:p>
@@ -3896,7 +3896,7 @@
           <p:cNvPr id="2" name="Title 1">
             <a:extLst>
               <a:ext uri="{FF2B5EF4-FFF2-40B4-BE49-F238E27FC236}">
-                <a16:creationId xmlns="" xmlns:a16="http://schemas.microsoft.com/office/drawing/2014/main" id="{5FE7D079-2B1B-40AF-AEBC-3D4705E15124}"/>
+                <a16:creationId xmlns:a16="http://schemas.microsoft.com/office/drawing/2014/main" xmlns="" id="{5FE7D079-2B1B-40AF-AEBC-3D4705E15124}"/>
               </a:ext>
             </a:extLst>
           </p:cNvPr>
@@ -3939,7 +3939,7 @@
           <p:cNvPr id="3" name="Subtitle 2">
             <a:extLst>
               <a:ext uri="{FF2B5EF4-FFF2-40B4-BE49-F238E27FC236}">
-                <a16:creationId xmlns="" xmlns:a16="http://schemas.microsoft.com/office/drawing/2014/main" id="{B9534E64-7AE3-404E-B86A-B8C0536DD8AE}"/>
+                <a16:creationId xmlns:a16="http://schemas.microsoft.com/office/drawing/2014/main" xmlns="" id="{B9534E64-7AE3-404E-B86A-B8C0536DD8AE}"/>
               </a:ext>
             </a:extLst>
           </p:cNvPr>
@@ -4006,7 +4006,7 @@
           <p:cNvPr id="2" name="Title 1">
             <a:extLst>
               <a:ext uri="{FF2B5EF4-FFF2-40B4-BE49-F238E27FC236}">
-                <a16:creationId xmlns="" xmlns:a16="http://schemas.microsoft.com/office/drawing/2014/main" id="{A810D388-6C07-4546-918A-2B5A67408456}"/>
+                <a16:creationId xmlns:a16="http://schemas.microsoft.com/office/drawing/2014/main" xmlns="" id="{A810D388-6C07-4546-918A-2B5A67408456}"/>
               </a:ext>
             </a:extLst>
           </p:cNvPr>
@@ -4034,7 +4034,7 @@
           <p:cNvPr id="3" name="Content Placeholder 2">
             <a:extLst>
               <a:ext uri="{FF2B5EF4-FFF2-40B4-BE49-F238E27FC236}">
-                <a16:creationId xmlns="" xmlns:a16="http://schemas.microsoft.com/office/drawing/2014/main" id="{4302C280-D2B7-46AA-9A87-E36DB7A0CB3D}"/>
+                <a16:creationId xmlns:a16="http://schemas.microsoft.com/office/drawing/2014/main" xmlns="" id="{4302C280-D2B7-46AA-9A87-E36DB7A0CB3D}"/>
               </a:ext>
             </a:extLst>
           </p:cNvPr>
@@ -4159,7 +4159,7 @@
           <p:cNvPr id="2" name="Title 1">
             <a:extLst>
               <a:ext uri="{FF2B5EF4-FFF2-40B4-BE49-F238E27FC236}">
-                <a16:creationId xmlns="" xmlns:a16="http://schemas.microsoft.com/office/drawing/2014/main" id="{BDC1EEFF-B3ED-40E0-9C29-20B24F396040}"/>
+                <a16:creationId xmlns:a16="http://schemas.microsoft.com/office/drawing/2014/main" xmlns="" id="{BDC1EEFF-B3ED-40E0-9C29-20B24F396040}"/>
               </a:ext>
             </a:extLst>
           </p:cNvPr>
@@ -4808,7 +4808,7 @@
           <p:cNvPr id="2" name="Title 1">
             <a:extLst>
               <a:ext uri="{FF2B5EF4-FFF2-40B4-BE49-F238E27FC236}">
-                <a16:creationId xmlns="" xmlns:a16="http://schemas.microsoft.com/office/drawing/2014/main" id="{3D27B6BD-6029-4719-B606-0057CD8A37CB}"/>
+                <a16:creationId xmlns:a16="http://schemas.microsoft.com/office/drawing/2014/main" xmlns="" id="{3D27B6BD-6029-4719-B606-0057CD8A37CB}"/>
               </a:ext>
             </a:extLst>
           </p:cNvPr>
@@ -4836,7 +4836,7 @@
           <p:cNvPr id="3" name="Content Placeholder 2">
             <a:extLst>
               <a:ext uri="{FF2B5EF4-FFF2-40B4-BE49-F238E27FC236}">
-                <a16:creationId xmlns="" xmlns:a16="http://schemas.microsoft.com/office/drawing/2014/main" id="{B7A32F1A-EEE9-4FAF-8505-D230D3A96A68}"/>
+                <a16:creationId xmlns:a16="http://schemas.microsoft.com/office/drawing/2014/main" xmlns="" id="{B7A32F1A-EEE9-4FAF-8505-D230D3A96A68}"/>
               </a:ext>
             </a:extLst>
           </p:cNvPr>
@@ -4898,7 +4898,7 @@
           <p:cNvPr id="2" name="Title 1">
             <a:extLst>
               <a:ext uri="{FF2B5EF4-FFF2-40B4-BE49-F238E27FC236}">
-                <a16:creationId xmlns="" xmlns:a16="http://schemas.microsoft.com/office/drawing/2014/main" id="{6B8DFE3D-CF41-4632-AEB2-4BE6F92E974B}"/>
+                <a16:creationId xmlns:a16="http://schemas.microsoft.com/office/drawing/2014/main" xmlns="" id="{6B8DFE3D-CF41-4632-AEB2-4BE6F92E974B}"/>
               </a:ext>
             </a:extLst>
           </p:cNvPr>
@@ -4926,7 +4926,7 @@
           <p:cNvPr id="3" name="Content Placeholder 2">
             <a:extLst>
               <a:ext uri="{FF2B5EF4-FFF2-40B4-BE49-F238E27FC236}">
-                <a16:creationId xmlns="" xmlns:a16="http://schemas.microsoft.com/office/drawing/2014/main" id="{5854B835-7BC2-467F-A535-7DE21884A81B}"/>
+                <a16:creationId xmlns:a16="http://schemas.microsoft.com/office/drawing/2014/main" xmlns="" id="{5854B835-7BC2-467F-A535-7DE21884A81B}"/>
               </a:ext>
             </a:extLst>
           </p:cNvPr>
@@ -5052,7 +5052,7 @@
           <p:cNvPr id="2" name="Title 1">
             <a:extLst>
               <a:ext uri="{FF2B5EF4-FFF2-40B4-BE49-F238E27FC236}">
-                <a16:creationId xmlns="" xmlns:a16="http://schemas.microsoft.com/office/drawing/2014/main" id="{C928D01C-8D37-4F3A-B329-D9C66B48A509}"/>
+                <a16:creationId xmlns:a16="http://schemas.microsoft.com/office/drawing/2014/main" xmlns="" id="{C928D01C-8D37-4F3A-B329-D9C66B48A509}"/>
               </a:ext>
             </a:extLst>
           </p:cNvPr>
@@ -5085,7 +5085,7 @@
           <p:cNvPr id="3" name="Content Placeholder 2">
             <a:extLst>
               <a:ext uri="{FF2B5EF4-FFF2-40B4-BE49-F238E27FC236}">
-                <a16:creationId xmlns="" xmlns:a16="http://schemas.microsoft.com/office/drawing/2014/main" id="{D5EC0356-6C79-4D24-998C-29DE6C39D1B9}"/>
+                <a16:creationId xmlns:a16="http://schemas.microsoft.com/office/drawing/2014/main" xmlns="" id="{D5EC0356-6C79-4D24-998C-29DE6C39D1B9}"/>
               </a:ext>
             </a:extLst>
           </p:cNvPr>
@@ -5249,7 +5249,7 @@
           <p:cNvPr id="2" name="Title 1">
             <a:extLst>
               <a:ext uri="{FF2B5EF4-FFF2-40B4-BE49-F238E27FC236}">
-                <a16:creationId xmlns="" xmlns:a16="http://schemas.microsoft.com/office/drawing/2014/main" id="{4D9503AC-872F-4E85-AEE2-7A8E7C5BC087}"/>
+                <a16:creationId xmlns:a16="http://schemas.microsoft.com/office/drawing/2014/main" xmlns="" id="{4D9503AC-872F-4E85-AEE2-7A8E7C5BC087}"/>
               </a:ext>
             </a:extLst>
           </p:cNvPr>
@@ -5300,7 +5300,7 @@
           <p:cNvPr id="3" name="Content Placeholder 2">
             <a:extLst>
               <a:ext uri="{FF2B5EF4-FFF2-40B4-BE49-F238E27FC236}">
-                <a16:creationId xmlns="" xmlns:a16="http://schemas.microsoft.com/office/drawing/2014/main" id="{7F785B1C-3FC4-43FE-88A7-4F680B15B227}"/>
+                <a16:creationId xmlns:a16="http://schemas.microsoft.com/office/drawing/2014/main" xmlns="" id="{7F785B1C-3FC4-43FE-88A7-4F680B15B227}"/>
               </a:ext>
             </a:extLst>
           </p:cNvPr>
@@ -5492,7 +5492,7 @@
           <p:cNvPr id="2" name="Title 1">
             <a:extLst>
               <a:ext uri="{FF2B5EF4-FFF2-40B4-BE49-F238E27FC236}">
-                <a16:creationId xmlns="" xmlns:a16="http://schemas.microsoft.com/office/drawing/2014/main" id="{DE96AEBB-53AB-4615-9F17-8505694A5C4F}"/>
+                <a16:creationId xmlns:a16="http://schemas.microsoft.com/office/drawing/2014/main" xmlns="" id="{DE96AEBB-53AB-4615-9F17-8505694A5C4F}"/>
               </a:ext>
             </a:extLst>
           </p:cNvPr>
@@ -5520,7 +5520,7 @@
           <p:cNvPr id="3" name="Content Placeholder 2">
             <a:extLst>
               <a:ext uri="{FF2B5EF4-FFF2-40B4-BE49-F238E27FC236}">
-                <a16:creationId xmlns="" xmlns:a16="http://schemas.microsoft.com/office/drawing/2014/main" id="{B678DDFF-0C1F-4E6A-A7AF-6FD81C2BA9CF}"/>
+                <a16:creationId xmlns:a16="http://schemas.microsoft.com/office/drawing/2014/main" xmlns="" id="{B678DDFF-0C1F-4E6A-A7AF-6FD81C2BA9CF}"/>
               </a:ext>
             </a:extLst>
           </p:cNvPr>
@@ -5659,7 +5659,7 @@
           <p:cNvPr id="2" name="Title 1">
             <a:extLst>
               <a:ext uri="{FF2B5EF4-FFF2-40B4-BE49-F238E27FC236}">
-                <a16:creationId xmlns="" xmlns:a16="http://schemas.microsoft.com/office/drawing/2014/main" id="{D32D4710-71A8-410A-85F1-3F6B0BE3FAC7}"/>
+                <a16:creationId xmlns:a16="http://schemas.microsoft.com/office/drawing/2014/main" xmlns="" id="{D32D4710-71A8-410A-85F1-3F6B0BE3FAC7}"/>
               </a:ext>
             </a:extLst>
           </p:cNvPr>
@@ -5687,7 +5687,7 @@
           <p:cNvPr id="3" name="Content Placeholder 2">
             <a:extLst>
               <a:ext uri="{FF2B5EF4-FFF2-40B4-BE49-F238E27FC236}">
-                <a16:creationId xmlns="" xmlns:a16="http://schemas.microsoft.com/office/drawing/2014/main" id="{76E19CB4-FA1C-4ED5-AFF1-B82455ED53A4}"/>
+                <a16:creationId xmlns:a16="http://schemas.microsoft.com/office/drawing/2014/main" xmlns="" id="{76E19CB4-FA1C-4ED5-AFF1-B82455ED53A4}"/>
               </a:ext>
             </a:extLst>
           </p:cNvPr>
@@ -5857,7 +5857,7 @@
           <p:cNvPr id="2" name="Title 1">
             <a:extLst>
               <a:ext uri="{FF2B5EF4-FFF2-40B4-BE49-F238E27FC236}">
-                <a16:creationId xmlns="" xmlns:a16="http://schemas.microsoft.com/office/drawing/2014/main" id="{2D82E879-44E2-4AFC-91C1-A644CA698A8B}"/>
+                <a16:creationId xmlns:a16="http://schemas.microsoft.com/office/drawing/2014/main" xmlns="" id="{2D82E879-44E2-4AFC-91C1-A644CA698A8B}"/>
               </a:ext>
             </a:extLst>
           </p:cNvPr>
@@ -5885,7 +5885,7 @@
           <p:cNvPr id="3" name="Content Placeholder 2">
             <a:extLst>
               <a:ext uri="{FF2B5EF4-FFF2-40B4-BE49-F238E27FC236}">
-                <a16:creationId xmlns="" xmlns:a16="http://schemas.microsoft.com/office/drawing/2014/main" id="{C08555ED-5306-4AC3-82F6-94DC618DC81F}"/>
+                <a16:creationId xmlns:a16="http://schemas.microsoft.com/office/drawing/2014/main" xmlns="" id="{C08555ED-5306-4AC3-82F6-94DC618DC81F}"/>
               </a:ext>
             </a:extLst>
           </p:cNvPr>
@@ -5937,17 +5937,23 @@
                 <a:ea typeface="Times New Roman" panose="02020603050405020304" pitchFamily="18" charset="0"/>
                 <a:cs typeface="Calibri" panose="020F0502020204030204" pitchFamily="34" charset="0"/>
               </a:rPr>
-              <a:t>This module has access to create manager, only admin can able to create manager.</a:t>
-            </a:r>
-          </a:p>
-          <a:p>
+              <a:t>This module has access to create manager, only admin can able to create manager</a:t>
+            </a:r>
             <a:r>
               <a:rPr lang="en-US" sz="1800" dirty="0" smtClean="0">
                 <a:latin typeface="Calibri" panose="020F0502020204030204" pitchFamily="34" charset="0"/>
                 <a:ea typeface="Times New Roman" panose="02020603050405020304" pitchFamily="18" charset="0"/>
                 <a:cs typeface="Calibri" panose="020F0502020204030204" pitchFamily="34" charset="0"/>
               </a:rPr>
-              <a:t> The admin collects the managers details register manager entry. Once the manager has created, he gave access to login.</a:t>
+              <a:t>. </a:t>
+            </a:r>
+            <a:r>
+              <a:rPr lang="en-US" sz="1800" dirty="0" smtClean="0">
+                <a:latin typeface="Calibri" panose="020F0502020204030204" pitchFamily="34" charset="0"/>
+                <a:ea typeface="Times New Roman" panose="02020603050405020304" pitchFamily="18" charset="0"/>
+                <a:cs typeface="Calibri" panose="020F0502020204030204" pitchFamily="34" charset="0"/>
+              </a:rPr>
+              <a:t>The admin collects the managers details register manager entry. Once the manager has created, he gave access to login.</a:t>
             </a:r>
             <a:endParaRPr lang="en-IN" sz="1800" dirty="0" smtClean="0">
               <a:latin typeface="Calibri" panose="020F0502020204030204" pitchFamily="34" charset="0"/>
@@ -6008,15 +6014,21 @@
               </a:rPr>
               <a:t>This module manager can create the cashier account, once cashier has created, he/she can able to login and register entry for billing details. </a:t>
             </a:r>
-          </a:p>
-          <a:p>
             <a:r>
               <a:rPr lang="en-US" sz="1800" dirty="0" smtClean="0">
                 <a:latin typeface="Calibri" panose="020F0502020204030204" pitchFamily="34" charset="0"/>
                 <a:ea typeface="Times New Roman" panose="02020603050405020304" pitchFamily="18" charset="0"/>
                 <a:cs typeface="Calibri" panose="020F0502020204030204" pitchFamily="34" charset="0"/>
               </a:rPr>
-              <a:t>The manager create account as well as for pharmacist.</a:t>
+              <a:t>The </a:t>
+            </a:r>
+            <a:r>
+              <a:rPr lang="en-US" sz="1800" dirty="0" smtClean="0">
+                <a:latin typeface="Calibri" panose="020F0502020204030204" pitchFamily="34" charset="0"/>
+                <a:ea typeface="Times New Roman" panose="02020603050405020304" pitchFamily="18" charset="0"/>
+                <a:cs typeface="Calibri" panose="020F0502020204030204" pitchFamily="34" charset="0"/>
+              </a:rPr>
+              <a:t>manager create account as well as for pharmacist.</a:t>
             </a:r>
             <a:endParaRPr lang="en-IN" sz="1800" dirty="0" smtClean="0">
               <a:latin typeface="Calibri" panose="020F0502020204030204" pitchFamily="34" charset="0"/>
@@ -6086,7 +6098,7 @@
           <p:cNvPr id="2" name="Title 1">
             <a:extLst>
               <a:ext uri="{FF2B5EF4-FFF2-40B4-BE49-F238E27FC236}">
-                <a16:creationId xmlns="" xmlns:a16="http://schemas.microsoft.com/office/drawing/2014/main" id="{62342F69-923A-4F80-8469-FB9067E30D83}"/>
+                <a16:creationId xmlns:a16="http://schemas.microsoft.com/office/drawing/2014/main" xmlns="" id="{62342F69-923A-4F80-8469-FB9067E30D83}"/>
               </a:ext>
             </a:extLst>
           </p:cNvPr>
@@ -6111,7 +6123,7 @@
           <p:cNvPr id="3" name="Content Placeholder 2">
             <a:extLst>
               <a:ext uri="{FF2B5EF4-FFF2-40B4-BE49-F238E27FC236}">
-                <a16:creationId xmlns="" xmlns:a16="http://schemas.microsoft.com/office/drawing/2014/main" id="{68DDDC8A-04BB-42C9-B0EC-BF82D0492888}"/>
+                <a16:creationId xmlns:a16="http://schemas.microsoft.com/office/drawing/2014/main" xmlns="" id="{68DDDC8A-04BB-42C9-B0EC-BF82D0492888}"/>
               </a:ext>
             </a:extLst>
           </p:cNvPr>
@@ -6170,15 +6182,21 @@
               </a:rPr>
               <a:t>The cashier entered into the login and promote the billing. </a:t>
             </a:r>
-          </a:p>
-          <a:p>
             <a:r>
               <a:rPr lang="en-US" sz="1800" dirty="0" smtClean="0">
                 <a:latin typeface="Calibri" panose="020F0502020204030204" pitchFamily="34" charset="0"/>
                 <a:ea typeface="Times New Roman" panose="02020603050405020304" pitchFamily="18" charset="0"/>
                 <a:cs typeface="Calibri" panose="020F0502020204030204" pitchFamily="34" charset="0"/>
               </a:rPr>
-              <a:t>The main work for the cashier is for check the medicine and generate the bill and collect money.</a:t>
+              <a:t>The </a:t>
+            </a:r>
+            <a:r>
+              <a:rPr lang="en-US" sz="1800" dirty="0" smtClean="0">
+                <a:latin typeface="Calibri" panose="020F0502020204030204" pitchFamily="34" charset="0"/>
+                <a:ea typeface="Times New Roman" panose="02020603050405020304" pitchFamily="18" charset="0"/>
+                <a:cs typeface="Calibri" panose="020F0502020204030204" pitchFamily="34" charset="0"/>
+              </a:rPr>
+              <a:t>main work for the cashier is for check the medicine and generate the bill and collect money.</a:t>
             </a:r>
             <a:endParaRPr lang="en-IN" sz="1800" dirty="0" smtClean="0">
               <a:latin typeface="Calibri" panose="020F0502020204030204" pitchFamily="34" charset="0"/>
@@ -6228,15 +6246,21 @@
               </a:rPr>
               <a:t>This module will show the all the billing details as a date wise, once the cashier collects the money and generate the bill it has to be shown in billing module. </a:t>
             </a:r>
-          </a:p>
-          <a:p>
             <a:r>
               <a:rPr lang="en-US" sz="1800" dirty="0" smtClean="0">
                 <a:latin typeface="Calibri" panose="020F0502020204030204" pitchFamily="34" charset="0"/>
                 <a:ea typeface="Times New Roman" panose="02020603050405020304" pitchFamily="18" charset="0"/>
                 <a:cs typeface="Calibri" panose="020F0502020204030204" pitchFamily="34" charset="0"/>
               </a:rPr>
-              <a:t>Manager or cashier can check the billing details for a date wise.</a:t>
+              <a:t>Manager </a:t>
+            </a:r>
+            <a:r>
+              <a:rPr lang="en-US" sz="1800" dirty="0" smtClean="0">
+                <a:latin typeface="Calibri" panose="020F0502020204030204" pitchFamily="34" charset="0"/>
+                <a:ea typeface="Times New Roman" panose="02020603050405020304" pitchFamily="18" charset="0"/>
+                <a:cs typeface="Calibri" panose="020F0502020204030204" pitchFamily="34" charset="0"/>
+              </a:rPr>
+              <a:t>or cashier can check the billing details for a date wise.</a:t>
             </a:r>
             <a:endParaRPr lang="en-IN" sz="1800" dirty="0" smtClean="0">
               <a:latin typeface="Calibri" panose="020F0502020204030204" pitchFamily="34" charset="0"/>
@@ -6294,7 +6318,7 @@
           <p:cNvPr id="2" name="Title 1">
             <a:extLst>
               <a:ext uri="{FF2B5EF4-FFF2-40B4-BE49-F238E27FC236}">
-                <a16:creationId xmlns="" xmlns:a16="http://schemas.microsoft.com/office/drawing/2014/main" id="{4170C2D7-81D8-4BA8-8D90-F0EA842C9507}"/>
+                <a16:creationId xmlns:a16="http://schemas.microsoft.com/office/drawing/2014/main" xmlns="" id="{4170C2D7-81D8-4BA8-8D90-F0EA842C9507}"/>
               </a:ext>
             </a:extLst>
           </p:cNvPr>
@@ -6319,7 +6343,7 @@
           <p:cNvPr id="3" name="Content Placeholder 2">
             <a:extLst>
               <a:ext uri="{FF2B5EF4-FFF2-40B4-BE49-F238E27FC236}">
-                <a16:creationId xmlns="" xmlns:a16="http://schemas.microsoft.com/office/drawing/2014/main" id="{0B8F9E25-F29C-4FEA-ACB4-6D6057146BE7}"/>
+                <a16:creationId xmlns:a16="http://schemas.microsoft.com/office/drawing/2014/main" xmlns="" id="{0B8F9E25-F29C-4FEA-ACB4-6D6057146BE7}"/>
               </a:ext>
             </a:extLst>
           </p:cNvPr>
@@ -6376,17 +6400,23 @@
                 <a:ea typeface="Times New Roman" panose="02020603050405020304" pitchFamily="18" charset="0"/>
                 <a:cs typeface="Calibri" panose="020F0502020204030204" pitchFamily="34" charset="0"/>
               </a:rPr>
-              <a:t>This module will be shown the all the customer details, this customer details has collected by the cashier before entering the bill.</a:t>
-            </a:r>
-          </a:p>
-          <a:p>
+              <a:t>This module will be shown the all the customer details, this customer details has collected by the cashier before entering the bill</a:t>
+            </a:r>
             <a:r>
               <a:rPr lang="en-US" sz="1800" dirty="0" smtClean="0">
                 <a:latin typeface="Calibri" panose="020F0502020204030204" pitchFamily="34" charset="0"/>
                 <a:ea typeface="Times New Roman" panose="02020603050405020304" pitchFamily="18" charset="0"/>
                 <a:cs typeface="Calibri" panose="020F0502020204030204" pitchFamily="34" charset="0"/>
               </a:rPr>
-              <a:t> This module we can easily track the regular customer.</a:t>
+              <a:t>. </a:t>
+            </a:r>
+            <a:r>
+              <a:rPr lang="en-US" sz="1800" dirty="0" smtClean="0">
+                <a:latin typeface="Calibri" panose="020F0502020204030204" pitchFamily="34" charset="0"/>
+                <a:ea typeface="Times New Roman" panose="02020603050405020304" pitchFamily="18" charset="0"/>
+                <a:cs typeface="Calibri" panose="020F0502020204030204" pitchFamily="34" charset="0"/>
+              </a:rPr>
+              <a:t>This module we can easily track the regular customer.</a:t>
             </a:r>
             <a:endParaRPr lang="en-IN" sz="1800" dirty="0" smtClean="0">
               <a:latin typeface="Calibri" panose="020F0502020204030204" pitchFamily="34" charset="0"/>
